--- a/docs/diagrams/TaskSortSequenceDiagram.pptx
+++ b/docs/diagrams/TaskSortSequenceDiagram.pptx
@@ -289,7 +289,7 @@
             <a:fld id="{8151F6BF-3986-48D8-86F9-857EFF229DCD}" type="datetimeFigureOut">
               <a:rPr lang="en-SG" smtClean="0"/>
               <a:pPr/>
-              <a:t>1/4/2018</a:t>
+              <a:t>2/4/2018</a:t>
             </a:fld>
             <a:endParaRPr lang="en-SG"/>
           </a:p>
@@ -456,7 +456,7 @@
             <a:fld id="{8151F6BF-3986-48D8-86F9-857EFF229DCD}" type="datetimeFigureOut">
               <a:rPr lang="en-SG" smtClean="0"/>
               <a:pPr/>
-              <a:t>1/4/2018</a:t>
+              <a:t>2/4/2018</a:t>
             </a:fld>
             <a:endParaRPr lang="en-SG"/>
           </a:p>
@@ -633,7 +633,7 @@
             <a:fld id="{8151F6BF-3986-48D8-86F9-857EFF229DCD}" type="datetimeFigureOut">
               <a:rPr lang="en-SG" smtClean="0"/>
               <a:pPr/>
-              <a:t>1/4/2018</a:t>
+              <a:t>2/4/2018</a:t>
             </a:fld>
             <a:endParaRPr lang="en-SG"/>
           </a:p>
@@ -800,7 +800,7 @@
             <a:fld id="{8151F6BF-3986-48D8-86F9-857EFF229DCD}" type="datetimeFigureOut">
               <a:rPr lang="en-SG" smtClean="0"/>
               <a:pPr/>
-              <a:t>1/4/2018</a:t>
+              <a:t>2/4/2018</a:t>
             </a:fld>
             <a:endParaRPr lang="en-SG"/>
           </a:p>
@@ -1043,7 +1043,7 @@
             <a:fld id="{8151F6BF-3986-48D8-86F9-857EFF229DCD}" type="datetimeFigureOut">
               <a:rPr lang="en-SG" smtClean="0"/>
               <a:pPr/>
-              <a:t>1/4/2018</a:t>
+              <a:t>2/4/2018</a:t>
             </a:fld>
             <a:endParaRPr lang="en-SG"/>
           </a:p>
@@ -1328,7 +1328,7 @@
             <a:fld id="{8151F6BF-3986-48D8-86F9-857EFF229DCD}" type="datetimeFigureOut">
               <a:rPr lang="en-SG" smtClean="0"/>
               <a:pPr/>
-              <a:t>1/4/2018</a:t>
+              <a:t>2/4/2018</a:t>
             </a:fld>
             <a:endParaRPr lang="en-SG"/>
           </a:p>
@@ -1747,7 +1747,7 @@
             <a:fld id="{8151F6BF-3986-48D8-86F9-857EFF229DCD}" type="datetimeFigureOut">
               <a:rPr lang="en-SG" smtClean="0"/>
               <a:pPr/>
-              <a:t>1/4/2018</a:t>
+              <a:t>2/4/2018</a:t>
             </a:fld>
             <a:endParaRPr lang="en-SG"/>
           </a:p>
@@ -1862,7 +1862,7 @@
             <a:fld id="{8151F6BF-3986-48D8-86F9-857EFF229DCD}" type="datetimeFigureOut">
               <a:rPr lang="en-SG" smtClean="0"/>
               <a:pPr/>
-              <a:t>1/4/2018</a:t>
+              <a:t>2/4/2018</a:t>
             </a:fld>
             <a:endParaRPr lang="en-SG"/>
           </a:p>
@@ -1954,7 +1954,7 @@
             <a:fld id="{8151F6BF-3986-48D8-86F9-857EFF229DCD}" type="datetimeFigureOut">
               <a:rPr lang="en-SG" smtClean="0"/>
               <a:pPr/>
-              <a:t>1/4/2018</a:t>
+              <a:t>2/4/2018</a:t>
             </a:fld>
             <a:endParaRPr lang="en-SG"/>
           </a:p>
@@ -2228,7 +2228,7 @@
             <a:fld id="{8151F6BF-3986-48D8-86F9-857EFF229DCD}" type="datetimeFigureOut">
               <a:rPr lang="en-SG" smtClean="0"/>
               <a:pPr/>
-              <a:t>1/4/2018</a:t>
+              <a:t>2/4/2018</a:t>
             </a:fld>
             <a:endParaRPr lang="en-SG"/>
           </a:p>
@@ -2478,7 +2478,7 @@
             <a:fld id="{8151F6BF-3986-48D8-86F9-857EFF229DCD}" type="datetimeFigureOut">
               <a:rPr lang="en-SG" smtClean="0"/>
               <a:pPr/>
-              <a:t>1/4/2018</a:t>
+              <a:t>2/4/2018</a:t>
             </a:fld>
             <a:endParaRPr lang="en-SG"/>
           </a:p>
@@ -2688,7 +2688,7 @@
             <a:fld id="{8151F6BF-3986-48D8-86F9-857EFF229DCD}" type="datetimeFigureOut">
               <a:rPr lang="en-SG" smtClean="0"/>
               <a:pPr/>
-              <a:t>1/4/2018</a:t>
+              <a:t>2/4/2018</a:t>
             </a:fld>
             <a:endParaRPr lang="en-SG"/>
           </a:p>
@@ -4092,7 +4092,7 @@
           </a:prstGeom>
           <a:ln w="19050">
             <a:solidFill>
-              <a:srgbClr val="00B050"/>
+              <a:schemeClr val="accent1"/>
             </a:solidFill>
             <a:tailEnd type="arrow"/>
           </a:ln>
@@ -4243,23 +4243,7 @@
                   <a:srgbClr val="0070C0"/>
                 </a:solidFill>
               </a:rPr>
-              <a:t>(“</a:t>
-            </a:r>
-            <a:r>
-              <a:rPr lang="en-US" sz="1400" dirty="0" smtClean="0">
-                <a:solidFill>
-                  <a:srgbClr val="0070C0"/>
-                </a:solidFill>
-              </a:rPr>
-              <a:t>task-sort</a:t>
-            </a:r>
-            <a:r>
-              <a:rPr lang="en-US" sz="1400" dirty="0" smtClean="0">
-                <a:solidFill>
-                  <a:srgbClr val="0070C0"/>
-                </a:solidFill>
-              </a:rPr>
-              <a:t>”)</a:t>
+              <a:t>(“task-sort”)</a:t>
             </a:r>
             <a:endParaRPr lang="en-US" sz="1400" dirty="0">
               <a:solidFill>
@@ -4951,23 +4935,7 @@
                   <a:srgbClr val="0070C0"/>
                 </a:solidFill>
               </a:rPr>
-              <a:t>(“</a:t>
-            </a:r>
-            <a:r>
-              <a:rPr lang="en-US" sz="1400" dirty="0" smtClean="0">
-                <a:solidFill>
-                  <a:srgbClr val="0070C0"/>
-                </a:solidFill>
-              </a:rPr>
-              <a:t>task-sort</a:t>
-            </a:r>
-            <a:r>
-              <a:rPr lang="en-US" sz="1400" dirty="0" smtClean="0">
-                <a:solidFill>
-                  <a:srgbClr val="0070C0"/>
-                </a:solidFill>
-              </a:rPr>
-              <a:t>”)</a:t>
+              <a:t>(“task-sort”)</a:t>
             </a:r>
             <a:endParaRPr lang="en-US" sz="1400" dirty="0">
               <a:solidFill>
@@ -5915,7 +5883,7 @@
           <p:cNvPr id="75" name="Straight Arrow Connector 74">
             <a:extLst>
               <a:ext uri="{FF2B5EF4-FFF2-40B4-BE49-F238E27FC236}">
-                <a16:creationId xmlns="" xmlns:a16="http://schemas.microsoft.com/office/drawing/2014/main" xmlns:lc="http://schemas.openxmlformats.org/drawingml/2006/lockedCanvas" id="{39916E2E-195A-4DC8-B025-B05FA87E6796}"/>
+                <a16:creationId xmlns:lc="http://schemas.openxmlformats.org/drawingml/2006/lockedCanvas" xmlns:a16="http://schemas.microsoft.com/office/drawing/2014/main" xmlns="" id="{39916E2E-195A-4DC8-B025-B05FA87E6796}"/>
               </a:ext>
             </a:extLst>
           </p:cNvPr>
@@ -5959,7 +5927,7 @@
           <p:cNvPr id="76" name="Straight Arrow Connector 75">
             <a:extLst>
               <a:ext uri="{FF2B5EF4-FFF2-40B4-BE49-F238E27FC236}">
-                <a16:creationId xmlns="" xmlns:a16="http://schemas.microsoft.com/office/drawing/2014/main" xmlns:lc="http://schemas.openxmlformats.org/drawingml/2006/lockedCanvas" id="{D881596E-177C-4FDC-8E60-CAB90B3D5FAB}"/>
+                <a16:creationId xmlns:lc="http://schemas.openxmlformats.org/drawingml/2006/lockedCanvas" xmlns:a16="http://schemas.microsoft.com/office/drawing/2014/main" xmlns="" id="{D881596E-177C-4FDC-8E60-CAB90B3D5FAB}"/>
               </a:ext>
             </a:extLst>
           </p:cNvPr>
@@ -6003,7 +5971,7 @@
           <p:cNvPr id="77" name="Straight Arrow Connector 76">
             <a:extLst>
               <a:ext uri="{FF2B5EF4-FFF2-40B4-BE49-F238E27FC236}">
-                <a16:creationId xmlns="" xmlns:a16="http://schemas.microsoft.com/office/drawing/2014/main" xmlns:lc="http://schemas.openxmlformats.org/drawingml/2006/lockedCanvas" id="{7C9F21BC-13A9-471F-825A-2621FD36355F}"/>
+                <a16:creationId xmlns:lc="http://schemas.openxmlformats.org/drawingml/2006/lockedCanvas" xmlns:a16="http://schemas.microsoft.com/office/drawing/2014/main" xmlns="" id="{7C9F21BC-13A9-471F-825A-2621FD36355F}"/>
               </a:ext>
             </a:extLst>
           </p:cNvPr>
@@ -6049,7 +6017,7 @@
           <p:cNvPr id="78" name="Straight Arrow Connector 77">
             <a:extLst>
               <a:ext uri="{FF2B5EF4-FFF2-40B4-BE49-F238E27FC236}">
-                <a16:creationId xmlns="" xmlns:a16="http://schemas.microsoft.com/office/drawing/2014/main" xmlns:lc="http://schemas.openxmlformats.org/drawingml/2006/lockedCanvas" id="{854D9FBB-2B36-4DC9-8B58-F7F177A8E586}"/>
+                <a16:creationId xmlns:lc="http://schemas.openxmlformats.org/drawingml/2006/lockedCanvas" xmlns:a16="http://schemas.microsoft.com/office/drawing/2014/main" xmlns="" id="{854D9FBB-2B36-4DC9-8B58-F7F177A8E586}"/>
               </a:ext>
             </a:extLst>
           </p:cNvPr>

--- a/docs/diagrams/TaskSortSequenceDiagram.pptx
+++ b/docs/diagrams/TaskSortSequenceDiagram.pptx
@@ -289,7 +289,7 @@
             <a:fld id="{8151F6BF-3986-48D8-86F9-857EFF229DCD}" type="datetimeFigureOut">
               <a:rPr lang="en-SG" smtClean="0"/>
               <a:pPr/>
-              <a:t>2/4/2018</a:t>
+              <a:t>4/4/2018</a:t>
             </a:fld>
             <a:endParaRPr lang="en-SG"/>
           </a:p>
@@ -456,7 +456,7 @@
             <a:fld id="{8151F6BF-3986-48D8-86F9-857EFF229DCD}" type="datetimeFigureOut">
               <a:rPr lang="en-SG" smtClean="0"/>
               <a:pPr/>
-              <a:t>2/4/2018</a:t>
+              <a:t>4/4/2018</a:t>
             </a:fld>
             <a:endParaRPr lang="en-SG"/>
           </a:p>
@@ -633,7 +633,7 @@
             <a:fld id="{8151F6BF-3986-48D8-86F9-857EFF229DCD}" type="datetimeFigureOut">
               <a:rPr lang="en-SG" smtClean="0"/>
               <a:pPr/>
-              <a:t>2/4/2018</a:t>
+              <a:t>4/4/2018</a:t>
             </a:fld>
             <a:endParaRPr lang="en-SG"/>
           </a:p>
@@ -800,7 +800,7 @@
             <a:fld id="{8151F6BF-3986-48D8-86F9-857EFF229DCD}" type="datetimeFigureOut">
               <a:rPr lang="en-SG" smtClean="0"/>
               <a:pPr/>
-              <a:t>2/4/2018</a:t>
+              <a:t>4/4/2018</a:t>
             </a:fld>
             <a:endParaRPr lang="en-SG"/>
           </a:p>
@@ -1043,7 +1043,7 @@
             <a:fld id="{8151F6BF-3986-48D8-86F9-857EFF229DCD}" type="datetimeFigureOut">
               <a:rPr lang="en-SG" smtClean="0"/>
               <a:pPr/>
-              <a:t>2/4/2018</a:t>
+              <a:t>4/4/2018</a:t>
             </a:fld>
             <a:endParaRPr lang="en-SG"/>
           </a:p>
@@ -1328,7 +1328,7 @@
             <a:fld id="{8151F6BF-3986-48D8-86F9-857EFF229DCD}" type="datetimeFigureOut">
               <a:rPr lang="en-SG" smtClean="0"/>
               <a:pPr/>
-              <a:t>2/4/2018</a:t>
+              <a:t>4/4/2018</a:t>
             </a:fld>
             <a:endParaRPr lang="en-SG"/>
           </a:p>
@@ -1747,7 +1747,7 @@
             <a:fld id="{8151F6BF-3986-48D8-86F9-857EFF229DCD}" type="datetimeFigureOut">
               <a:rPr lang="en-SG" smtClean="0"/>
               <a:pPr/>
-              <a:t>2/4/2018</a:t>
+              <a:t>4/4/2018</a:t>
             </a:fld>
             <a:endParaRPr lang="en-SG"/>
           </a:p>
@@ -1862,7 +1862,7 @@
             <a:fld id="{8151F6BF-3986-48D8-86F9-857EFF229DCD}" type="datetimeFigureOut">
               <a:rPr lang="en-SG" smtClean="0"/>
               <a:pPr/>
-              <a:t>2/4/2018</a:t>
+              <a:t>4/4/2018</a:t>
             </a:fld>
             <a:endParaRPr lang="en-SG"/>
           </a:p>
@@ -1954,7 +1954,7 @@
             <a:fld id="{8151F6BF-3986-48D8-86F9-857EFF229DCD}" type="datetimeFigureOut">
               <a:rPr lang="en-SG" smtClean="0"/>
               <a:pPr/>
-              <a:t>2/4/2018</a:t>
+              <a:t>4/4/2018</a:t>
             </a:fld>
             <a:endParaRPr lang="en-SG"/>
           </a:p>
@@ -2228,7 +2228,7 @@
             <a:fld id="{8151F6BF-3986-48D8-86F9-857EFF229DCD}" type="datetimeFigureOut">
               <a:rPr lang="en-SG" smtClean="0"/>
               <a:pPr/>
-              <a:t>2/4/2018</a:t>
+              <a:t>4/4/2018</a:t>
             </a:fld>
             <a:endParaRPr lang="en-SG"/>
           </a:p>
@@ -2478,7 +2478,7 @@
             <a:fld id="{8151F6BF-3986-48D8-86F9-857EFF229DCD}" type="datetimeFigureOut">
               <a:rPr lang="en-SG" smtClean="0"/>
               <a:pPr/>
-              <a:t>2/4/2018</a:t>
+              <a:t>4/4/2018</a:t>
             </a:fld>
             <a:endParaRPr lang="en-SG"/>
           </a:p>
@@ -2688,7 +2688,7 @@
             <a:fld id="{8151F6BF-3986-48D8-86F9-857EFF229DCD}" type="datetimeFigureOut">
               <a:rPr lang="en-SG" smtClean="0"/>
               <a:pPr/>
-              <a:t>2/4/2018</a:t>
+              <a:t>4/4/2018</a:t>
             </a:fld>
             <a:endParaRPr lang="en-SG"/>
           </a:p>
@@ -4681,8 +4681,8 @@
         </p:nvSpPr>
         <p:spPr>
           <a:xfrm>
-            <a:off x="5940152" y="3717032"/>
-            <a:ext cx="1296144" cy="184666"/>
+            <a:off x="5940152" y="3645024"/>
+            <a:ext cx="1512168" cy="215444"/>
           </a:xfrm>
           <a:prstGeom prst="rect">
             <a:avLst/>
@@ -4790,14 +4790,14 @@
           </a:lstStyle>
           <a:p>
             <a:r>
-              <a:rPr lang="en-US" sz="1200" dirty="0" smtClean="0">
+              <a:rPr lang="en-US" sz="1400" dirty="0" smtClean="0">
                 <a:solidFill>
                   <a:srgbClr val="0070C0"/>
                 </a:solidFill>
               </a:rPr>
               <a:t>sortTasksByPriority()</a:t>
             </a:r>
-            <a:endParaRPr lang="en-US" sz="1200" dirty="0">
+            <a:endParaRPr lang="en-US" sz="1400" dirty="0">
               <a:solidFill>
                 <a:srgbClr val="0070C0"/>
               </a:solidFill>
@@ -5207,7 +5207,7 @@
         </p:nvSpPr>
         <p:spPr>
           <a:xfrm>
-            <a:off x="2901808" y="2873945"/>
+            <a:off x="2901808" y="2852936"/>
             <a:ext cx="220343" cy="276999"/>
           </a:xfrm>
           <a:prstGeom prst="rect">
@@ -5339,7 +5339,7 @@
         </p:nvSpPr>
         <p:spPr>
           <a:xfrm>
-            <a:off x="6308584" y="3198497"/>
+            <a:off x="6682231" y="3140968"/>
             <a:ext cx="1778201" cy="432035"/>
           </a:xfrm>
           <a:prstGeom prst="rect">
@@ -5494,8 +5494,8 @@
         </p:nvCxnSpPr>
         <p:spPr>
           <a:xfrm>
-            <a:off x="7239472" y="3621458"/>
-            <a:ext cx="0" cy="838201"/>
+            <a:off x="7613119" y="3573015"/>
+            <a:ext cx="0" cy="900000"/>
           </a:xfrm>
           <a:prstGeom prst="line">
             <a:avLst/>
@@ -5531,7 +5531,7 @@
         </p:nvSpPr>
         <p:spPr>
           <a:xfrm>
-            <a:off x="7136550" y="3926259"/>
+            <a:off x="7510197" y="3940738"/>
             <a:ext cx="217409" cy="351475"/>
           </a:xfrm>
           <a:prstGeom prst="rect">
@@ -5675,7 +5675,7 @@
         <p:spPr>
           <a:xfrm>
             <a:off x="5868143" y="3943496"/>
-            <a:ext cx="1278000" cy="0"/>
+            <a:ext cx="1674000" cy="0"/>
           </a:xfrm>
           <a:prstGeom prst="straightConnector1">
             <a:avLst/>
@@ -5883,7 +5883,7 @@
           <p:cNvPr id="75" name="Straight Arrow Connector 74">
             <a:extLst>
               <a:ext uri="{FF2B5EF4-FFF2-40B4-BE49-F238E27FC236}">
-                <a16:creationId xmlns:lc="http://schemas.openxmlformats.org/drawingml/2006/lockedCanvas" xmlns:a16="http://schemas.microsoft.com/office/drawing/2014/main" xmlns="" id="{39916E2E-195A-4DC8-B025-B05FA87E6796}"/>
+                <a16:creationId xmlns="" xmlns:a16="http://schemas.microsoft.com/office/drawing/2014/main" xmlns:lc="http://schemas.openxmlformats.org/drawingml/2006/lockedCanvas" id="{39916E2E-195A-4DC8-B025-B05FA87E6796}"/>
               </a:ext>
             </a:extLst>
           </p:cNvPr>
@@ -5927,7 +5927,7 @@
           <p:cNvPr id="76" name="Straight Arrow Connector 75">
             <a:extLst>
               <a:ext uri="{FF2B5EF4-FFF2-40B4-BE49-F238E27FC236}">
-                <a16:creationId xmlns:lc="http://schemas.openxmlformats.org/drawingml/2006/lockedCanvas" xmlns:a16="http://schemas.microsoft.com/office/drawing/2014/main" xmlns="" id="{D881596E-177C-4FDC-8E60-CAB90B3D5FAB}"/>
+                <a16:creationId xmlns="" xmlns:a16="http://schemas.microsoft.com/office/drawing/2014/main" xmlns:lc="http://schemas.openxmlformats.org/drawingml/2006/lockedCanvas" id="{D881596E-177C-4FDC-8E60-CAB90B3D5FAB}"/>
               </a:ext>
             </a:extLst>
           </p:cNvPr>
@@ -5971,7 +5971,7 @@
           <p:cNvPr id="77" name="Straight Arrow Connector 76">
             <a:extLst>
               <a:ext uri="{FF2B5EF4-FFF2-40B4-BE49-F238E27FC236}">
-                <a16:creationId xmlns:lc="http://schemas.openxmlformats.org/drawingml/2006/lockedCanvas" xmlns:a16="http://schemas.microsoft.com/office/drawing/2014/main" xmlns="" id="{7C9F21BC-13A9-471F-825A-2621FD36355F}"/>
+                <a16:creationId xmlns="" xmlns:a16="http://schemas.microsoft.com/office/drawing/2014/main" xmlns:lc="http://schemas.openxmlformats.org/drawingml/2006/lockedCanvas" id="{7C9F21BC-13A9-471F-825A-2621FD36355F}"/>
               </a:ext>
             </a:extLst>
           </p:cNvPr>
@@ -6017,7 +6017,7 @@
           <p:cNvPr id="78" name="Straight Arrow Connector 77">
             <a:extLst>
               <a:ext uri="{FF2B5EF4-FFF2-40B4-BE49-F238E27FC236}">
-                <a16:creationId xmlns:lc="http://schemas.openxmlformats.org/drawingml/2006/lockedCanvas" xmlns:a16="http://schemas.microsoft.com/office/drawing/2014/main" xmlns="" id="{854D9FBB-2B36-4DC9-8B58-F7F177A8E586}"/>
+                <a16:creationId xmlns="" xmlns:a16="http://schemas.microsoft.com/office/drawing/2014/main" xmlns:lc="http://schemas.openxmlformats.org/drawingml/2006/lockedCanvas" id="{854D9FBB-2B36-4DC9-8B58-F7F177A8E586}"/>
               </a:ext>
             </a:extLst>
           </p:cNvPr>
@@ -6029,7 +6029,7 @@
         <p:spPr>
           <a:xfrm>
             <a:off x="5868144" y="4270163"/>
-            <a:ext cx="1260000" cy="0"/>
+            <a:ext cx="1638000" cy="0"/>
           </a:xfrm>
           <a:prstGeom prst="straightConnector1">
             <a:avLst/>
@@ -6058,138 +6058,6 @@
           </a:fontRef>
         </p:style>
       </p:cxnSp>
-      <p:sp>
-        <p:nvSpPr>
-          <p:cNvPr id="33" name="TextBox 92"/>
-          <p:cNvSpPr txBox="1"/>
-          <p:nvPr/>
-        </p:nvSpPr>
-        <p:spPr>
-          <a:xfrm>
-            <a:off x="4716016" y="2564904"/>
-            <a:ext cx="220343" cy="276999"/>
-          </a:xfrm>
-          <a:prstGeom prst="rect">
-            <a:avLst/>
-          </a:prstGeom>
-          <a:noFill/>
-        </p:spPr>
-        <p:txBody>
-          <a:bodyPr wrap="square" lIns="0" tIns="0" rIns="0" bIns="0" rtlCol="0">
-            <a:spAutoFit/>
-          </a:bodyPr>
-          <a:lstStyle>
-            <a:defPPr>
-              <a:defRPr lang="en-US"/>
-            </a:defPPr>
-            <a:lvl1pPr marL="0" algn="l" defTabSz="914400" rtl="0" eaLnBrk="1" latinLnBrk="0" hangingPunct="1">
-              <a:defRPr sz="1800" kern="1200">
-                <a:solidFill>
-                  <a:schemeClr val="tx1"/>
-                </a:solidFill>
-                <a:latin typeface="+mn-lt"/>
-                <a:ea typeface="+mn-ea"/>
-                <a:cs typeface="+mn-cs"/>
-              </a:defRPr>
-            </a:lvl1pPr>
-            <a:lvl2pPr marL="457200" algn="l" defTabSz="914400" rtl="0" eaLnBrk="1" latinLnBrk="0" hangingPunct="1">
-              <a:defRPr sz="1800" kern="1200">
-                <a:solidFill>
-                  <a:schemeClr val="tx1"/>
-                </a:solidFill>
-                <a:latin typeface="+mn-lt"/>
-                <a:ea typeface="+mn-ea"/>
-                <a:cs typeface="+mn-cs"/>
-              </a:defRPr>
-            </a:lvl2pPr>
-            <a:lvl3pPr marL="914400" algn="l" defTabSz="914400" rtl="0" eaLnBrk="1" latinLnBrk="0" hangingPunct="1">
-              <a:defRPr sz="1800" kern="1200">
-                <a:solidFill>
-                  <a:schemeClr val="tx1"/>
-                </a:solidFill>
-                <a:latin typeface="+mn-lt"/>
-                <a:ea typeface="+mn-ea"/>
-                <a:cs typeface="+mn-cs"/>
-              </a:defRPr>
-            </a:lvl3pPr>
-            <a:lvl4pPr marL="1371600" algn="l" defTabSz="914400" rtl="0" eaLnBrk="1" latinLnBrk="0" hangingPunct="1">
-              <a:defRPr sz="1800" kern="1200">
-                <a:solidFill>
-                  <a:schemeClr val="tx1"/>
-                </a:solidFill>
-                <a:latin typeface="+mn-lt"/>
-                <a:ea typeface="+mn-ea"/>
-                <a:cs typeface="+mn-cs"/>
-              </a:defRPr>
-            </a:lvl4pPr>
-            <a:lvl5pPr marL="1828800" algn="l" defTabSz="914400" rtl="0" eaLnBrk="1" latinLnBrk="0" hangingPunct="1">
-              <a:defRPr sz="1800" kern="1200">
-                <a:solidFill>
-                  <a:schemeClr val="tx1"/>
-                </a:solidFill>
-                <a:latin typeface="+mn-lt"/>
-                <a:ea typeface="+mn-ea"/>
-                <a:cs typeface="+mn-cs"/>
-              </a:defRPr>
-            </a:lvl5pPr>
-            <a:lvl6pPr marL="2286000" algn="l" defTabSz="914400" rtl="0" eaLnBrk="1" latinLnBrk="0" hangingPunct="1">
-              <a:defRPr sz="1800" kern="1200">
-                <a:solidFill>
-                  <a:schemeClr val="tx1"/>
-                </a:solidFill>
-                <a:latin typeface="+mn-lt"/>
-                <a:ea typeface="+mn-ea"/>
-                <a:cs typeface="+mn-cs"/>
-              </a:defRPr>
-            </a:lvl6pPr>
-            <a:lvl7pPr marL="2743200" algn="l" defTabSz="914400" rtl="0" eaLnBrk="1" latinLnBrk="0" hangingPunct="1">
-              <a:defRPr sz="1800" kern="1200">
-                <a:solidFill>
-                  <a:schemeClr val="tx1"/>
-                </a:solidFill>
-                <a:latin typeface="+mn-lt"/>
-                <a:ea typeface="+mn-ea"/>
-                <a:cs typeface="+mn-cs"/>
-              </a:defRPr>
-            </a:lvl7pPr>
-            <a:lvl8pPr marL="3200400" algn="l" defTabSz="914400" rtl="0" eaLnBrk="1" latinLnBrk="0" hangingPunct="1">
-              <a:defRPr sz="1800" kern="1200">
-                <a:solidFill>
-                  <a:schemeClr val="tx1"/>
-                </a:solidFill>
-                <a:latin typeface="+mn-lt"/>
-                <a:ea typeface="+mn-ea"/>
-                <a:cs typeface="+mn-cs"/>
-              </a:defRPr>
-            </a:lvl8pPr>
-            <a:lvl9pPr marL="3657600" algn="l" defTabSz="914400" rtl="0" eaLnBrk="1" latinLnBrk="0" hangingPunct="1">
-              <a:defRPr sz="1800" kern="1200">
-                <a:solidFill>
-                  <a:schemeClr val="tx1"/>
-                </a:solidFill>
-                <a:latin typeface="+mn-lt"/>
-                <a:ea typeface="+mn-ea"/>
-                <a:cs typeface="+mn-cs"/>
-              </a:defRPr>
-            </a:lvl9pPr>
-          </a:lstStyle>
-          <a:p>
-            <a:r>
-              <a:rPr lang="en-US" dirty="0" smtClean="0">
-                <a:solidFill>
-                  <a:srgbClr val="0070C0"/>
-                </a:solidFill>
-              </a:rPr>
-              <a:t>ts</a:t>
-            </a:r>
-            <a:endParaRPr lang="en-US" dirty="0">
-              <a:solidFill>
-                <a:srgbClr val="0070C0"/>
-              </a:solidFill>
-            </a:endParaRPr>
-          </a:p>
-        </p:txBody>
-      </p:sp>
     </p:spTree>
   </p:cSld>
   <p:clrMapOvr>
